--- a/Gu Wee Oh! Card Fight.pptx
+++ b/Gu Wee Oh! Card Fight.pptx
@@ -122,12 +122,53 @@
 <p1510:revInfo xmlns:a="http://schemas.openxmlformats.org/drawingml/2006/main" xmlns:r="http://schemas.openxmlformats.org/officeDocument/2006/relationships" xmlns:p1510="http://schemas.microsoft.com/office/powerpoint/2015/10/main">
   <p1510:revLst>
     <p1510:client id="{894A89CD-BAE6-427E-A1B6-A87F4D0CCB7C}" v="55" dt="2023-12-05T00:27:15.773"/>
+    <p1510:client id="{C3934FA3-BE5A-4214-AD05-A9CC27AC5D2F}" v="1" dt="2023-12-05T18:21:30.800"/>
   </p1510:revLst>
 </p1510:revInfo>
 </file>
 
 <file path=ppt/changesInfos/changesInfo1.xml><?xml version="1.0" encoding="utf-8"?>
 <pc:chgInfo xmlns:a="http://schemas.openxmlformats.org/drawingml/2006/main" xmlns:r="http://schemas.openxmlformats.org/officeDocument/2006/relationships" xmlns:ac="http://schemas.microsoft.com/office/drawing/2013/main/command" xmlns:pc="http://schemas.microsoft.com/office/powerpoint/2013/main/command">
+  <pc:docChgLst>
+    <pc:chgData name="Oliver Arce" userId="aceaf6436e11856b" providerId="LiveId" clId="{C3934FA3-BE5A-4214-AD05-A9CC27AC5D2F}"/>
+    <pc:docChg chg="custSel modSld">
+      <pc:chgData name="Oliver Arce" userId="aceaf6436e11856b" providerId="LiveId" clId="{C3934FA3-BE5A-4214-AD05-A9CC27AC5D2F}" dt="2023-12-05T18:21:40.734" v="20" actId="14100"/>
+      <pc:docMkLst>
+        <pc:docMk/>
+      </pc:docMkLst>
+      <pc:sldChg chg="addSp delSp modSp mod">
+        <pc:chgData name="Oliver Arce" userId="aceaf6436e11856b" providerId="LiveId" clId="{C3934FA3-BE5A-4214-AD05-A9CC27AC5D2F}" dt="2023-12-05T18:21:40.734" v="20" actId="14100"/>
+        <pc:sldMkLst>
+          <pc:docMk/>
+          <pc:sldMk cId="3523068493" sldId="265"/>
+        </pc:sldMkLst>
+        <pc:spChg chg="mod">
+          <ac:chgData name="Oliver Arce" userId="aceaf6436e11856b" providerId="LiveId" clId="{C3934FA3-BE5A-4214-AD05-A9CC27AC5D2F}" dt="2023-12-05T18:19:40.114" v="15" actId="20577"/>
+          <ac:spMkLst>
+            <pc:docMk/>
+            <pc:sldMk cId="3523068493" sldId="265"/>
+            <ac:spMk id="5" creationId="{2DB41CCB-2CCA-4C71-7D6B-D08FFDD74BCA}"/>
+          </ac:spMkLst>
+        </pc:spChg>
+        <pc:picChg chg="add mod">
+          <ac:chgData name="Oliver Arce" userId="aceaf6436e11856b" providerId="LiveId" clId="{C3934FA3-BE5A-4214-AD05-A9CC27AC5D2F}" dt="2023-12-05T18:21:40.734" v="20" actId="14100"/>
+          <ac:picMkLst>
+            <pc:docMk/>
+            <pc:sldMk cId="3523068493" sldId="265"/>
+            <ac:picMk id="3" creationId="{0A01F28B-0CBA-CFEE-F0CA-9D14BF374937}"/>
+          </ac:picMkLst>
+        </pc:picChg>
+        <pc:picChg chg="del">
+          <ac:chgData name="Oliver Arce" userId="aceaf6436e11856b" providerId="LiveId" clId="{C3934FA3-BE5A-4214-AD05-A9CC27AC5D2F}" dt="2023-12-05T18:21:26.109" v="16" actId="478"/>
+          <ac:picMkLst>
+            <pc:docMk/>
+            <pc:sldMk cId="3523068493" sldId="265"/>
+            <ac:picMk id="4" creationId="{23A359EA-2006-00C8-8A41-25EBEE1D54C6}"/>
+          </ac:picMkLst>
+        </pc:picChg>
+      </pc:sldChg>
+    </pc:docChg>
+  </pc:docChgLst>
   <pc:docChgLst>
     <pc:chgData name="Oliver Arce" userId="aceaf6436e11856b" providerId="LiveId" clId="{894A89CD-BAE6-427E-A1B6-A87F4D0CCB7C}"/>
     <pc:docChg chg="undo custSel addSld delSld modSld">
@@ -1382,7 +1423,7 @@
           <a:p>
             <a:fld id="{EA85A3CA-7632-4289-B479-1732DBD6EB61}" type="datetimeFigureOut">
               <a:rPr lang="en-US" smtClean="0"/>
-              <a:t>12/4/2023</a:t>
+              <a:t>12/5/2023</a:t>
             </a:fld>
             <a:endParaRPr lang="en-US"/>
           </a:p>
@@ -1580,7 +1621,7 @@
           <a:p>
             <a:fld id="{EA85A3CA-7632-4289-B479-1732DBD6EB61}" type="datetimeFigureOut">
               <a:rPr lang="en-US" smtClean="0"/>
-              <a:t>12/4/2023</a:t>
+              <a:t>12/5/2023</a:t>
             </a:fld>
             <a:endParaRPr lang="en-US"/>
           </a:p>
@@ -1788,7 +1829,7 @@
           <a:p>
             <a:fld id="{EA85A3CA-7632-4289-B479-1732DBD6EB61}" type="datetimeFigureOut">
               <a:rPr lang="en-US" smtClean="0"/>
-              <a:t>12/4/2023</a:t>
+              <a:t>12/5/2023</a:t>
             </a:fld>
             <a:endParaRPr lang="en-US"/>
           </a:p>
@@ -1986,7 +2027,7 @@
           <a:p>
             <a:fld id="{EA85A3CA-7632-4289-B479-1732DBD6EB61}" type="datetimeFigureOut">
               <a:rPr lang="en-US" smtClean="0"/>
-              <a:t>12/4/2023</a:t>
+              <a:t>12/5/2023</a:t>
             </a:fld>
             <a:endParaRPr lang="en-US"/>
           </a:p>
@@ -2261,7 +2302,7 @@
           <a:p>
             <a:fld id="{EA85A3CA-7632-4289-B479-1732DBD6EB61}" type="datetimeFigureOut">
               <a:rPr lang="en-US" smtClean="0"/>
-              <a:t>12/4/2023</a:t>
+              <a:t>12/5/2023</a:t>
             </a:fld>
             <a:endParaRPr lang="en-US"/>
           </a:p>
@@ -2526,7 +2567,7 @@
           <a:p>
             <a:fld id="{EA85A3CA-7632-4289-B479-1732DBD6EB61}" type="datetimeFigureOut">
               <a:rPr lang="en-US" smtClean="0"/>
-              <a:t>12/4/2023</a:t>
+              <a:t>12/5/2023</a:t>
             </a:fld>
             <a:endParaRPr lang="en-US"/>
           </a:p>
@@ -2938,7 +2979,7 @@
           <a:p>
             <a:fld id="{EA85A3CA-7632-4289-B479-1732DBD6EB61}" type="datetimeFigureOut">
               <a:rPr lang="en-US" smtClean="0"/>
-              <a:t>12/4/2023</a:t>
+              <a:t>12/5/2023</a:t>
             </a:fld>
             <a:endParaRPr lang="en-US"/>
           </a:p>
@@ -3079,7 +3120,7 @@
           <a:p>
             <a:fld id="{EA85A3CA-7632-4289-B479-1732DBD6EB61}" type="datetimeFigureOut">
               <a:rPr lang="en-US" smtClean="0"/>
-              <a:t>12/4/2023</a:t>
+              <a:t>12/5/2023</a:t>
             </a:fld>
             <a:endParaRPr lang="en-US"/>
           </a:p>
@@ -3192,7 +3233,7 @@
           <a:p>
             <a:fld id="{EA85A3CA-7632-4289-B479-1732DBD6EB61}" type="datetimeFigureOut">
               <a:rPr lang="en-US" smtClean="0"/>
-              <a:t>12/4/2023</a:t>
+              <a:t>12/5/2023</a:t>
             </a:fld>
             <a:endParaRPr lang="en-US"/>
           </a:p>
@@ -3503,7 +3544,7 @@
           <a:p>
             <a:fld id="{EA85A3CA-7632-4289-B479-1732DBD6EB61}" type="datetimeFigureOut">
               <a:rPr lang="en-US" smtClean="0"/>
-              <a:t>12/4/2023</a:t>
+              <a:t>12/5/2023</a:t>
             </a:fld>
             <a:endParaRPr lang="en-US"/>
           </a:p>
@@ -3791,7 +3832,7 @@
           <a:p>
             <a:fld id="{EA85A3CA-7632-4289-B479-1732DBD6EB61}" type="datetimeFigureOut">
               <a:rPr lang="en-US" smtClean="0"/>
-              <a:t>12/4/2023</a:t>
+              <a:t>12/5/2023</a:t>
             </a:fld>
             <a:endParaRPr lang="en-US"/>
           </a:p>
@@ -4032,7 +4073,7 @@
           <a:p>
             <a:fld id="{EA85A3CA-7632-4289-B479-1732DBD6EB61}" type="datetimeFigureOut">
               <a:rPr lang="en-US" smtClean="0"/>
-              <a:t>12/4/2023</a:t>
+              <a:t>12/5/2023</a:t>
             </a:fld>
             <a:endParaRPr lang="en-US"/>
           </a:p>
@@ -7042,7 +7083,7 @@
           <a:p>
             <a:r>
               <a:rPr lang="en-US" sz="2000" dirty="0"/>
-              <a:t>Once a player selects their cards and presses the Enter key, the system will calculate the damage a combination will produce based on the Damage Points listed on each card, as well as potential Damage Multipliers as calculated by the cards’ properties (</a:t>
+              <a:t>Once a player selects their cards and clicks play hand, the system will calculate the damage a combination will produce based on the Damage Points listed on each card, as well as potential Damage Multipliers as calculated by the cards’ properties (</a:t>
             </a:r>
             <a:r>
               <a:rPr lang="en-US" sz="2000" dirty="0" err="1"/>
@@ -7057,10 +7098,10 @@
       </p:sp>
       <p:pic>
         <p:nvPicPr>
-          <p:cNvPr id="4" name="Picture 3">
-            <a:extLst>
-              <a:ext uri="{FF2B5EF4-FFF2-40B4-BE49-F238E27FC236}">
-                <a16:creationId xmlns:a16="http://schemas.microsoft.com/office/drawing/2014/main" id="{23A359EA-2006-00C8-8A41-25EBEE1D54C6}"/>
+          <p:cNvPr id="3" name="Picture 2">
+            <a:extLst>
+              <a:ext uri="{FF2B5EF4-FFF2-40B4-BE49-F238E27FC236}">
+                <a16:creationId xmlns:a16="http://schemas.microsoft.com/office/drawing/2014/main" id="{0A01F28B-0CBA-CFEE-F0CA-9D14BF374937}"/>
               </a:ext>
             </a:extLst>
           </p:cNvPr>
@@ -7077,8 +7118,8 @@
         </p:blipFill>
         <p:spPr>
           <a:xfrm>
-            <a:off x="5471597" y="3189019"/>
-            <a:ext cx="5423711" cy="3141577"/>
+            <a:off x="5723906" y="2850394"/>
+            <a:ext cx="4887992" cy="3771756"/>
           </a:xfrm>
           <a:prstGeom prst="rect">
             <a:avLst/>
